--- a/Reactive-with-AKKA-RVA-RP-4-13-17.pptx
+++ b/Reactive-with-AKKA-RVA-RP-4-13-17.pptx
@@ -14523,11 +14523,11 @@
             </a:pPr>
             <a:r>
               <a:rPr lang="en-US" sz="2000" dirty="0" smtClean="0"/>
-              <a:t>Raja Chattopadhyay </a:t>
+              <a:t>Raja Chattopadhyay – </a:t>
             </a:r>
             <a:r>
               <a:rPr lang="en-US" sz="2000" smtClean="0"/>
-              <a:t>– raja</a:t>
+              <a:t>raja.chattopadhyay@capitalone.com</a:t>
             </a:r>
             <a:endParaRPr lang="en-US" sz="2000" dirty="0"/>
           </a:p>
